--- a/PPT/optic.pptx
+++ b/PPT/optic.pptx
@@ -12,11 +12,12 @@
     <p:sldId id="260" r:id="rId6"/>
     <p:sldId id="259" r:id="rId7"/>
     <p:sldId id="262" r:id="rId8"/>
+    <p:sldId id="263" r:id="rId9"/>
   </p:sldIdLst>
   <p:sldSz cx="12192000" cy="6858000"/>
   <p:notesSz cx="6858000" cy="9144000"/>
   <p:custDataLst>
-    <p:tags r:id="rId9"/>
+    <p:tags r:id="rId10"/>
   </p:custDataLst>
   <p:defaultTextStyle>
     <a:defPPr>
@@ -250,7 +251,7 @@
           <a:p>
             <a:fld id="{D997B5FA-0921-464F-AAE1-844C04324D75}" type="datetimeFigureOut">
               <a:rPr lang="zh-CN" altLang="en-US" smtClean="0"/>
-              <a:t>2024-11-04</a:t>
+              <a:t>2025-07-09</a:t>
             </a:fld>
             <a:endParaRPr lang="zh-CN" altLang="en-US"/>
           </a:p>
@@ -413,7 +414,7 @@
           <a:p>
             <a:fld id="{D997B5FA-0921-464F-AAE1-844C04324D75}" type="datetimeFigureOut">
               <a:rPr lang="zh-CN" altLang="en-US" smtClean="0"/>
-              <a:t>2024-11-04</a:t>
+              <a:t>2025-07-09</a:t>
             </a:fld>
             <a:endParaRPr lang="zh-CN" altLang="en-US"/>
           </a:p>
@@ -586,7 +587,7 @@
           <a:p>
             <a:fld id="{D997B5FA-0921-464F-AAE1-844C04324D75}" type="datetimeFigureOut">
               <a:rPr lang="zh-CN" altLang="en-US" smtClean="0"/>
-              <a:t>2024-11-04</a:t>
+              <a:t>2025-07-09</a:t>
             </a:fld>
             <a:endParaRPr lang="zh-CN" altLang="en-US"/>
           </a:p>
@@ -749,7 +750,7 @@
           <a:p>
             <a:fld id="{D997B5FA-0921-464F-AAE1-844C04324D75}" type="datetimeFigureOut">
               <a:rPr lang="zh-CN" altLang="en-US" smtClean="0"/>
-              <a:t>2024-11-04</a:t>
+              <a:t>2025-07-09</a:t>
             </a:fld>
             <a:endParaRPr lang="zh-CN" altLang="en-US"/>
           </a:p>
@@ -989,7 +990,7 @@
           <a:p>
             <a:fld id="{D997B5FA-0921-464F-AAE1-844C04324D75}" type="datetimeFigureOut">
               <a:rPr lang="zh-CN" altLang="en-US" smtClean="0"/>
-              <a:t>2024-11-04</a:t>
+              <a:t>2025-07-09</a:t>
             </a:fld>
             <a:endParaRPr lang="zh-CN" altLang="en-US"/>
           </a:p>
@@ -1213,7 +1214,7 @@
           <a:p>
             <a:fld id="{D997B5FA-0921-464F-AAE1-844C04324D75}" type="datetimeFigureOut">
               <a:rPr lang="zh-CN" altLang="en-US" smtClean="0"/>
-              <a:t>2024-11-04</a:t>
+              <a:t>2025-07-09</a:t>
             </a:fld>
             <a:endParaRPr lang="zh-CN" altLang="en-US"/>
           </a:p>
@@ -1572,7 +1573,7 @@
           <a:p>
             <a:fld id="{D997B5FA-0921-464F-AAE1-844C04324D75}" type="datetimeFigureOut">
               <a:rPr lang="zh-CN" altLang="en-US" smtClean="0"/>
-              <a:t>2024-11-04</a:t>
+              <a:t>2025-07-09</a:t>
             </a:fld>
             <a:endParaRPr lang="zh-CN" altLang="en-US"/>
           </a:p>
@@ -1684,7 +1685,7 @@
           <a:p>
             <a:fld id="{D997B5FA-0921-464F-AAE1-844C04324D75}" type="datetimeFigureOut">
               <a:rPr lang="zh-CN" altLang="en-US" smtClean="0"/>
-              <a:t>2024-11-04</a:t>
+              <a:t>2025-07-09</a:t>
             </a:fld>
             <a:endParaRPr lang="zh-CN" altLang="en-US"/>
           </a:p>
@@ -1774,7 +1775,7 @@
           <a:p>
             <a:fld id="{D997B5FA-0921-464F-AAE1-844C04324D75}" type="datetimeFigureOut">
               <a:rPr lang="zh-CN" altLang="en-US" smtClean="0"/>
-              <a:t>2024-11-04</a:t>
+              <a:t>2025-07-09</a:t>
             </a:fld>
             <a:endParaRPr lang="zh-CN" altLang="en-US"/>
           </a:p>
@@ -2044,7 +2045,7 @@
           <a:p>
             <a:fld id="{D997B5FA-0921-464F-AAE1-844C04324D75}" type="datetimeFigureOut">
               <a:rPr lang="zh-CN" altLang="en-US" smtClean="0"/>
-              <a:t>2024-11-04</a:t>
+              <a:t>2025-07-09</a:t>
             </a:fld>
             <a:endParaRPr lang="zh-CN" altLang="en-US"/>
           </a:p>
@@ -2291,7 +2292,7 @@
           <a:p>
             <a:fld id="{D997B5FA-0921-464F-AAE1-844C04324D75}" type="datetimeFigureOut">
               <a:rPr lang="zh-CN" altLang="en-US" smtClean="0"/>
-              <a:t>2024-11-04</a:t>
+              <a:t>2025-07-09</a:t>
             </a:fld>
             <a:endParaRPr lang="zh-CN" altLang="en-US"/>
           </a:p>
@@ -2497,7 +2498,7 @@
           <a:p>
             <a:fld id="{D997B5FA-0921-464F-AAE1-844C04324D75}" type="datetimeFigureOut">
               <a:rPr lang="zh-CN" altLang="en-US" smtClean="0"/>
-              <a:t>2024-11-04</a:t>
+              <a:t>2025-07-09</a:t>
             </a:fld>
             <a:endParaRPr lang="zh-CN" altLang="en-US"/>
           </a:p>
@@ -15128,8 +15129,8 @@
             </a:fontRef>
           </p:style>
         </p:cxnSp>
-        <mc:AlternateContent xmlns:mc="http://schemas.openxmlformats.org/markup-compatibility/2006">
-          <mc:Choice xmlns:a14="http://schemas.microsoft.com/office/drawing/2010/main" Requires="a14">
+        <mc:AlternateContent xmlns:mc="http://schemas.openxmlformats.org/markup-compatibility/2006" xmlns:a14="http://schemas.microsoft.com/office/drawing/2010/main">
+          <mc:Choice Requires="a14">
             <p:sp>
               <p:nvSpPr>
                 <p:cNvPr id="18" name="文本框 17">
@@ -15237,7 +15238,7 @@
               </p:txBody>
             </p:sp>
           </mc:Choice>
-          <mc:Fallback>
+          <mc:Fallback xmlns="">
             <p:sp>
               <p:nvSpPr>
                 <p:cNvPr id="18" name="文本框 17">
@@ -15282,8 +15283,8 @@
             </p:sp>
           </mc:Fallback>
         </mc:AlternateContent>
-        <mc:AlternateContent xmlns:mc="http://schemas.openxmlformats.org/markup-compatibility/2006">
-          <mc:Choice xmlns:a14="http://schemas.microsoft.com/office/drawing/2010/main" Requires="a14">
+        <mc:AlternateContent xmlns:mc="http://schemas.openxmlformats.org/markup-compatibility/2006" xmlns:a14="http://schemas.microsoft.com/office/drawing/2010/main">
+          <mc:Choice Requires="a14">
             <p:sp>
               <p:nvSpPr>
                 <p:cNvPr id="19" name="文本框 18">
@@ -15391,7 +15392,7 @@
               </p:txBody>
             </p:sp>
           </mc:Choice>
-          <mc:Fallback>
+          <mc:Fallback xmlns="">
             <p:sp>
               <p:nvSpPr>
                 <p:cNvPr id="19" name="文本框 18">
@@ -15436,8 +15437,8 @@
             </p:sp>
           </mc:Fallback>
         </mc:AlternateContent>
-        <mc:AlternateContent xmlns:mc="http://schemas.openxmlformats.org/markup-compatibility/2006">
-          <mc:Choice xmlns:a14="http://schemas.microsoft.com/office/drawing/2010/main" Requires="a14">
+        <mc:AlternateContent xmlns:mc="http://schemas.openxmlformats.org/markup-compatibility/2006" xmlns:a14="http://schemas.microsoft.com/office/drawing/2010/main">
+          <mc:Choice Requires="a14">
             <p:sp>
               <p:nvSpPr>
                 <p:cNvPr id="20" name="文本框 19">
@@ -15603,7 +15604,7 @@
               </p:txBody>
             </p:sp>
           </mc:Choice>
-          <mc:Fallback>
+          <mc:Fallback xmlns="">
             <p:sp>
               <p:nvSpPr>
                 <p:cNvPr id="20" name="文本框 19">
@@ -15653,6 +15654,2030 @@
     <p:extLst>
       <p:ext uri="{BB962C8B-B14F-4D97-AF65-F5344CB8AC3E}">
         <p14:creationId xmlns:p14="http://schemas.microsoft.com/office/powerpoint/2010/main" val="3087387363"/>
+      </p:ext>
+    </p:extLst>
+  </p:cSld>
+  <p:clrMapOvr>
+    <a:masterClrMapping/>
+  </p:clrMapOvr>
+</p:sld>
+</file>
+
+<file path=ppt/slides/slide8.xml><?xml version="1.0" encoding="utf-8"?>
+<p:sld xmlns:a="http://schemas.openxmlformats.org/drawingml/2006/main" xmlns:r="http://schemas.openxmlformats.org/officeDocument/2006/relationships" xmlns:p="http://schemas.openxmlformats.org/presentationml/2006/main">
+  <p:cSld>
+    <p:spTree>
+      <p:nvGrpSpPr>
+        <p:cNvPr id="1" name=""/>
+        <p:cNvGrpSpPr/>
+        <p:nvPr/>
+      </p:nvGrpSpPr>
+      <p:grpSpPr>
+        <a:xfrm>
+          <a:off x="0" y="0"/>
+          <a:ext cx="0" cy="0"/>
+          <a:chOff x="0" y="0"/>
+          <a:chExt cx="0" cy="0"/>
+        </a:xfrm>
+      </p:grpSpPr>
+      <p:grpSp>
+        <p:nvGrpSpPr>
+          <p:cNvPr id="39" name="组合 38">
+            <a:extLst>
+              <a:ext uri="{FF2B5EF4-FFF2-40B4-BE49-F238E27FC236}">
+                <a16:creationId xmlns:a16="http://schemas.microsoft.com/office/drawing/2014/main" id="{964BC400-938F-CB50-4630-BDAD02CC9B2D}"/>
+              </a:ext>
+            </a:extLst>
+          </p:cNvPr>
+          <p:cNvGrpSpPr/>
+          <p:nvPr/>
+        </p:nvGrpSpPr>
+        <p:grpSpPr>
+          <a:xfrm>
+            <a:off x="412750" y="311150"/>
+            <a:ext cx="3220720" cy="1800000"/>
+            <a:chOff x="3175000" y="2286000"/>
+            <a:chExt cx="3220720" cy="1800000"/>
+          </a:xfrm>
+        </p:grpSpPr>
+        <p:sp>
+          <p:nvSpPr>
+            <p:cNvPr id="4" name="椭圆 3">
+              <a:extLst>
+                <a:ext uri="{FF2B5EF4-FFF2-40B4-BE49-F238E27FC236}">
+                  <a16:creationId xmlns:a16="http://schemas.microsoft.com/office/drawing/2014/main" id="{36A36EA8-9702-167C-5110-0C6C6205B149}"/>
+                </a:ext>
+              </a:extLst>
+            </p:cNvPr>
+            <p:cNvSpPr/>
+            <p:nvPr/>
+          </p:nvSpPr>
+          <p:spPr>
+            <a:xfrm>
+              <a:off x="3552092" y="2286000"/>
+              <a:ext cx="1800000" cy="1800000"/>
+            </a:xfrm>
+            <a:prstGeom prst="ellipse">
+              <a:avLst/>
+            </a:prstGeom>
+            <a:noFill/>
+            <a:ln w="25400">
+              <a:solidFill>
+                <a:schemeClr val="tx1"/>
+              </a:solidFill>
+            </a:ln>
+          </p:spPr>
+          <p:style>
+            <a:lnRef idx="2">
+              <a:schemeClr val="accent1">
+                <a:shade val="15000"/>
+              </a:schemeClr>
+            </a:lnRef>
+            <a:fillRef idx="1">
+              <a:schemeClr val="accent1"/>
+            </a:fillRef>
+            <a:effectRef idx="0">
+              <a:schemeClr val="accent1"/>
+            </a:effectRef>
+            <a:fontRef idx="minor">
+              <a:schemeClr val="lt1"/>
+            </a:fontRef>
+          </p:style>
+          <p:txBody>
+            <a:bodyPr rtlCol="0" anchor="ctr"/>
+            <a:lstStyle/>
+            <a:p>
+              <a:pPr algn="ctr"/>
+              <a:endParaRPr lang="zh-CN" altLang="en-US"/>
+            </a:p>
+          </p:txBody>
+        </p:sp>
+        <p:sp>
+          <p:nvSpPr>
+            <p:cNvPr id="5" name="椭圆 4">
+              <a:extLst>
+                <a:ext uri="{FF2B5EF4-FFF2-40B4-BE49-F238E27FC236}">
+                  <a16:creationId xmlns:a16="http://schemas.microsoft.com/office/drawing/2014/main" id="{6DB4F7D8-09D3-CB1B-39EA-5D6958C20B6D}"/>
+                </a:ext>
+              </a:extLst>
+            </p:cNvPr>
+            <p:cNvSpPr/>
+            <p:nvPr/>
+          </p:nvSpPr>
+          <p:spPr>
+            <a:xfrm>
+              <a:off x="5352092" y="2826000"/>
+              <a:ext cx="720000" cy="720000"/>
+            </a:xfrm>
+            <a:prstGeom prst="ellipse">
+              <a:avLst/>
+            </a:prstGeom>
+            <a:noFill/>
+            <a:ln w="25400">
+              <a:solidFill>
+                <a:schemeClr val="tx1"/>
+              </a:solidFill>
+            </a:ln>
+          </p:spPr>
+          <p:style>
+            <a:lnRef idx="2">
+              <a:schemeClr val="accent1">
+                <a:shade val="15000"/>
+              </a:schemeClr>
+            </a:lnRef>
+            <a:fillRef idx="1">
+              <a:schemeClr val="accent1"/>
+            </a:fillRef>
+            <a:effectRef idx="0">
+              <a:schemeClr val="accent1"/>
+            </a:effectRef>
+            <a:fontRef idx="minor">
+              <a:schemeClr val="lt1"/>
+            </a:fontRef>
+          </p:style>
+          <p:txBody>
+            <a:bodyPr rtlCol="0" anchor="ctr"/>
+            <a:lstStyle/>
+            <a:p>
+              <a:pPr algn="ctr"/>
+              <a:endParaRPr lang="zh-CN" altLang="en-US"/>
+            </a:p>
+          </p:txBody>
+        </p:sp>
+        <p:cxnSp>
+          <p:nvCxnSpPr>
+            <p:cNvPr id="7" name="直接连接符 6">
+              <a:extLst>
+                <a:ext uri="{FF2B5EF4-FFF2-40B4-BE49-F238E27FC236}">
+                  <a16:creationId xmlns:a16="http://schemas.microsoft.com/office/drawing/2014/main" id="{0E085113-28BB-C16E-5D0B-DEC2C9349D87}"/>
+                </a:ext>
+              </a:extLst>
+            </p:cNvPr>
+            <p:cNvCxnSpPr>
+              <a:cxnSpLocks/>
+            </p:cNvCxnSpPr>
+            <p:nvPr/>
+          </p:nvCxnSpPr>
+          <p:spPr>
+            <a:xfrm flipH="1">
+              <a:off x="3312160" y="3186000"/>
+              <a:ext cx="3083560" cy="0"/>
+            </a:xfrm>
+            <a:prstGeom prst="line">
+              <a:avLst/>
+            </a:prstGeom>
+            <a:ln w="25400">
+              <a:solidFill>
+                <a:schemeClr val="tx1"/>
+              </a:solidFill>
+              <a:prstDash val="lgDashDot"/>
+            </a:ln>
+          </p:spPr>
+          <p:style>
+            <a:lnRef idx="1">
+              <a:schemeClr val="accent1"/>
+            </a:lnRef>
+            <a:fillRef idx="0">
+              <a:schemeClr val="accent1"/>
+            </a:fillRef>
+            <a:effectRef idx="0">
+              <a:schemeClr val="accent1"/>
+            </a:effectRef>
+            <a:fontRef idx="minor">
+              <a:schemeClr val="tx1"/>
+            </a:fontRef>
+          </p:style>
+        </p:cxnSp>
+        <p:cxnSp>
+          <p:nvCxnSpPr>
+            <p:cNvPr id="9" name="直接连接符 8">
+              <a:extLst>
+                <a:ext uri="{FF2B5EF4-FFF2-40B4-BE49-F238E27FC236}">
+                  <a16:creationId xmlns:a16="http://schemas.microsoft.com/office/drawing/2014/main" id="{66DA19FE-DD41-CF8B-EB62-431E8D85C72B}"/>
+                </a:ext>
+              </a:extLst>
+            </p:cNvPr>
+            <p:cNvCxnSpPr>
+              <a:cxnSpLocks/>
+            </p:cNvCxnSpPr>
+            <p:nvPr/>
+          </p:nvCxnSpPr>
+          <p:spPr>
+            <a:xfrm flipH="1">
+              <a:off x="3175000" y="2636520"/>
+              <a:ext cx="2744235" cy="1035480"/>
+            </a:xfrm>
+            <a:prstGeom prst="line">
+              <a:avLst/>
+            </a:prstGeom>
+            <a:ln w="25400">
+              <a:solidFill>
+                <a:schemeClr val="tx1"/>
+              </a:solidFill>
+              <a:prstDash val="lgDashDot"/>
+            </a:ln>
+          </p:spPr>
+          <p:style>
+            <a:lnRef idx="1">
+              <a:schemeClr val="accent1"/>
+            </a:lnRef>
+            <a:fillRef idx="0">
+              <a:schemeClr val="accent1"/>
+            </a:fillRef>
+            <a:effectRef idx="0">
+              <a:schemeClr val="accent1"/>
+            </a:effectRef>
+            <a:fontRef idx="minor">
+              <a:schemeClr val="tx1"/>
+            </a:fontRef>
+          </p:style>
+        </p:cxnSp>
+        <p:cxnSp>
+          <p:nvCxnSpPr>
+            <p:cNvPr id="16" name="直接箭头连接符 15">
+              <a:extLst>
+                <a:ext uri="{FF2B5EF4-FFF2-40B4-BE49-F238E27FC236}">
+                  <a16:creationId xmlns:a16="http://schemas.microsoft.com/office/drawing/2014/main" id="{0EC5D991-EC86-2B3D-FB39-20137F94B4DA}"/>
+                </a:ext>
+              </a:extLst>
+            </p:cNvPr>
+            <p:cNvCxnSpPr>
+              <a:cxnSpLocks/>
+            </p:cNvCxnSpPr>
+            <p:nvPr/>
+          </p:nvCxnSpPr>
+          <p:spPr>
+            <a:xfrm flipH="1" flipV="1">
+              <a:off x="5540131" y="2778125"/>
+              <a:ext cx="171961" cy="407875"/>
+            </a:xfrm>
+            <a:prstGeom prst="straightConnector1">
+              <a:avLst/>
+            </a:prstGeom>
+            <a:ln w="25400">
+              <a:solidFill>
+                <a:schemeClr val="tx1"/>
+              </a:solidFill>
+              <a:headEnd type="triangle"/>
+              <a:tailEnd type="triangle"/>
+            </a:ln>
+          </p:spPr>
+          <p:style>
+            <a:lnRef idx="1">
+              <a:schemeClr val="accent1"/>
+            </a:lnRef>
+            <a:fillRef idx="0">
+              <a:schemeClr val="accent1"/>
+            </a:fillRef>
+            <a:effectRef idx="0">
+              <a:schemeClr val="accent1"/>
+            </a:effectRef>
+            <a:fontRef idx="minor">
+              <a:schemeClr val="tx1"/>
+            </a:fontRef>
+          </p:style>
+        </p:cxnSp>
+        <p:sp>
+          <p:nvSpPr>
+            <p:cNvPr id="18" name="弧形 17">
+              <a:extLst>
+                <a:ext uri="{FF2B5EF4-FFF2-40B4-BE49-F238E27FC236}">
+                  <a16:creationId xmlns:a16="http://schemas.microsoft.com/office/drawing/2014/main" id="{9938E944-C5BF-8FB8-D18A-985E1A09C836}"/>
+                </a:ext>
+              </a:extLst>
+            </p:cNvPr>
+            <p:cNvSpPr/>
+            <p:nvPr/>
+          </p:nvSpPr>
+          <p:spPr>
+            <a:xfrm rot="6611840">
+              <a:off x="4329788" y="2823389"/>
+              <a:ext cx="659086" cy="659086"/>
+            </a:xfrm>
+            <a:prstGeom prst="arc">
+              <a:avLst>
+                <a:gd name="adj1" fmla="val 13289230"/>
+                <a:gd name="adj2" fmla="val 15413092"/>
+              </a:avLst>
+            </a:prstGeom>
+            <a:ln w="25400">
+              <a:solidFill>
+                <a:schemeClr val="tx1"/>
+              </a:solidFill>
+            </a:ln>
+          </p:spPr>
+          <p:style>
+            <a:lnRef idx="1">
+              <a:schemeClr val="accent1"/>
+            </a:lnRef>
+            <a:fillRef idx="0">
+              <a:schemeClr val="accent1"/>
+            </a:fillRef>
+            <a:effectRef idx="0">
+              <a:schemeClr val="accent1"/>
+            </a:effectRef>
+            <a:fontRef idx="minor">
+              <a:schemeClr val="tx1"/>
+            </a:fontRef>
+          </p:style>
+          <p:txBody>
+            <a:bodyPr rtlCol="0" anchor="ctr"/>
+            <a:lstStyle/>
+            <a:p>
+              <a:pPr algn="ctr"/>
+              <a:endParaRPr lang="zh-CN" altLang="en-US"/>
+            </a:p>
+          </p:txBody>
+        </p:sp>
+        <p:cxnSp>
+          <p:nvCxnSpPr>
+            <p:cNvPr id="20" name="直接连接符 19">
+              <a:extLst>
+                <a:ext uri="{FF2B5EF4-FFF2-40B4-BE49-F238E27FC236}">
+                  <a16:creationId xmlns:a16="http://schemas.microsoft.com/office/drawing/2014/main" id="{D3FD957D-DEF6-57DA-30C1-841EA3935067}"/>
+                </a:ext>
+              </a:extLst>
+            </p:cNvPr>
+            <p:cNvCxnSpPr>
+              <a:cxnSpLocks/>
+            </p:cNvCxnSpPr>
+            <p:nvPr/>
+          </p:nvCxnSpPr>
+          <p:spPr>
+            <a:xfrm>
+              <a:off x="4423729" y="3186000"/>
+              <a:ext cx="0" cy="288000"/>
+            </a:xfrm>
+            <a:prstGeom prst="line">
+              <a:avLst/>
+            </a:prstGeom>
+            <a:ln w="25400">
+              <a:solidFill>
+                <a:schemeClr val="tx1"/>
+              </a:solidFill>
+            </a:ln>
+          </p:spPr>
+          <p:style>
+            <a:lnRef idx="1">
+              <a:schemeClr val="accent1"/>
+            </a:lnRef>
+            <a:fillRef idx="0">
+              <a:schemeClr val="accent1"/>
+            </a:fillRef>
+            <a:effectRef idx="0">
+              <a:schemeClr val="accent1"/>
+            </a:effectRef>
+            <a:fontRef idx="minor">
+              <a:schemeClr val="tx1"/>
+            </a:fontRef>
+          </p:style>
+        </p:cxnSp>
+        <p:cxnSp>
+          <p:nvCxnSpPr>
+            <p:cNvPr id="21" name="直接连接符 20">
+              <a:extLst>
+                <a:ext uri="{FF2B5EF4-FFF2-40B4-BE49-F238E27FC236}">
+                  <a16:creationId xmlns:a16="http://schemas.microsoft.com/office/drawing/2014/main" id="{2082B9AB-3673-575D-442E-6AF4CDBAEE9A}"/>
+                </a:ext>
+              </a:extLst>
+            </p:cNvPr>
+            <p:cNvCxnSpPr>
+              <a:cxnSpLocks/>
+            </p:cNvCxnSpPr>
+            <p:nvPr/>
+          </p:nvCxnSpPr>
+          <p:spPr>
+            <a:xfrm>
+              <a:off x="5355263" y="3186000"/>
+              <a:ext cx="0" cy="289567"/>
+            </a:xfrm>
+            <a:prstGeom prst="line">
+              <a:avLst/>
+            </a:prstGeom>
+            <a:ln w="25400">
+              <a:solidFill>
+                <a:schemeClr val="tx1"/>
+              </a:solidFill>
+            </a:ln>
+          </p:spPr>
+          <p:style>
+            <a:lnRef idx="1">
+              <a:schemeClr val="accent1"/>
+            </a:lnRef>
+            <a:fillRef idx="0">
+              <a:schemeClr val="accent1"/>
+            </a:fillRef>
+            <a:effectRef idx="0">
+              <a:schemeClr val="accent1"/>
+            </a:effectRef>
+            <a:fontRef idx="minor">
+              <a:schemeClr val="tx1"/>
+            </a:fontRef>
+          </p:style>
+        </p:cxnSp>
+        <p:cxnSp>
+          <p:nvCxnSpPr>
+            <p:cNvPr id="22" name="直接连接符 21">
+              <a:extLst>
+                <a:ext uri="{FF2B5EF4-FFF2-40B4-BE49-F238E27FC236}">
+                  <a16:creationId xmlns:a16="http://schemas.microsoft.com/office/drawing/2014/main" id="{34E23173-50D5-1AAA-C5CC-FCCA435FDE0F}"/>
+                </a:ext>
+              </a:extLst>
+            </p:cNvPr>
+            <p:cNvCxnSpPr>
+              <a:cxnSpLocks/>
+            </p:cNvCxnSpPr>
+            <p:nvPr/>
+          </p:nvCxnSpPr>
+          <p:spPr>
+            <a:xfrm>
+              <a:off x="5712092" y="3186000"/>
+              <a:ext cx="0" cy="289567"/>
+            </a:xfrm>
+            <a:prstGeom prst="line">
+              <a:avLst/>
+            </a:prstGeom>
+            <a:ln w="25400">
+              <a:solidFill>
+                <a:schemeClr val="tx1"/>
+              </a:solidFill>
+            </a:ln>
+          </p:spPr>
+          <p:style>
+            <a:lnRef idx="1">
+              <a:schemeClr val="accent1"/>
+            </a:lnRef>
+            <a:fillRef idx="0">
+              <a:schemeClr val="accent1"/>
+            </a:fillRef>
+            <a:effectRef idx="0">
+              <a:schemeClr val="accent1"/>
+            </a:effectRef>
+            <a:fontRef idx="minor">
+              <a:schemeClr val="tx1"/>
+            </a:fontRef>
+          </p:style>
+        </p:cxnSp>
+        <p:cxnSp>
+          <p:nvCxnSpPr>
+            <p:cNvPr id="23" name="直接箭头连接符 22">
+              <a:extLst>
+                <a:ext uri="{FF2B5EF4-FFF2-40B4-BE49-F238E27FC236}">
+                  <a16:creationId xmlns:a16="http://schemas.microsoft.com/office/drawing/2014/main" id="{F3BB5664-EB40-1C06-192E-DB5204FCA2AC}"/>
+                </a:ext>
+              </a:extLst>
+            </p:cNvPr>
+            <p:cNvCxnSpPr>
+              <a:cxnSpLocks/>
+            </p:cNvCxnSpPr>
+            <p:nvPr/>
+          </p:nvCxnSpPr>
+          <p:spPr>
+            <a:xfrm flipH="1">
+              <a:off x="4421612" y="3320121"/>
+              <a:ext cx="930480" cy="0"/>
+            </a:xfrm>
+            <a:prstGeom prst="straightConnector1">
+              <a:avLst/>
+            </a:prstGeom>
+            <a:ln w="25400">
+              <a:solidFill>
+                <a:schemeClr val="tx1"/>
+              </a:solidFill>
+              <a:headEnd type="triangle"/>
+              <a:tailEnd type="triangle"/>
+            </a:ln>
+          </p:spPr>
+          <p:style>
+            <a:lnRef idx="1">
+              <a:schemeClr val="accent1"/>
+            </a:lnRef>
+            <a:fillRef idx="0">
+              <a:schemeClr val="accent1"/>
+            </a:fillRef>
+            <a:effectRef idx="0">
+              <a:schemeClr val="accent1"/>
+            </a:effectRef>
+            <a:fontRef idx="minor">
+              <a:schemeClr val="tx1"/>
+            </a:fontRef>
+          </p:style>
+        </p:cxnSp>
+        <p:cxnSp>
+          <p:nvCxnSpPr>
+            <p:cNvPr id="26" name="直接箭头连接符 25">
+              <a:extLst>
+                <a:ext uri="{FF2B5EF4-FFF2-40B4-BE49-F238E27FC236}">
+                  <a16:creationId xmlns:a16="http://schemas.microsoft.com/office/drawing/2014/main" id="{DE54976A-DB65-E845-7D1A-AE3119479740}"/>
+                </a:ext>
+              </a:extLst>
+            </p:cNvPr>
+            <p:cNvCxnSpPr>
+              <a:cxnSpLocks/>
+            </p:cNvCxnSpPr>
+            <p:nvPr/>
+          </p:nvCxnSpPr>
+          <p:spPr>
+            <a:xfrm flipH="1">
+              <a:off x="5352092" y="3320121"/>
+              <a:ext cx="360000" cy="0"/>
+            </a:xfrm>
+            <a:prstGeom prst="straightConnector1">
+              <a:avLst/>
+            </a:prstGeom>
+            <a:ln w="25400">
+              <a:solidFill>
+                <a:schemeClr val="tx1"/>
+              </a:solidFill>
+              <a:headEnd type="triangle"/>
+              <a:tailEnd type="triangle"/>
+            </a:ln>
+          </p:spPr>
+          <p:style>
+            <a:lnRef idx="1">
+              <a:schemeClr val="accent1"/>
+            </a:lnRef>
+            <a:fillRef idx="0">
+              <a:schemeClr val="accent1"/>
+            </a:fillRef>
+            <a:effectRef idx="0">
+              <a:schemeClr val="accent1"/>
+            </a:effectRef>
+            <a:fontRef idx="minor">
+              <a:schemeClr val="tx1"/>
+            </a:fontRef>
+          </p:style>
+        </p:cxnSp>
+        <mc:AlternateContent xmlns:mc="http://schemas.openxmlformats.org/markup-compatibility/2006">
+          <mc:Choice xmlns:a14="http://schemas.microsoft.com/office/drawing/2010/main" Requires="a14">
+            <p:sp>
+              <p:nvSpPr>
+                <p:cNvPr id="32" name="文本框 31">
+                  <a:extLst>
+                    <a:ext uri="{FF2B5EF4-FFF2-40B4-BE49-F238E27FC236}">
+                      <a16:creationId xmlns:a16="http://schemas.microsoft.com/office/drawing/2014/main" id="{027B24FF-D72B-A9F7-735F-6849A8EC5167}"/>
+                    </a:ext>
+                  </a:extLst>
+                </p:cNvPr>
+                <p:cNvSpPr txBox="1"/>
+                <p:nvPr/>
+              </p:nvSpPr>
+              <p:spPr>
+                <a:xfrm>
+                  <a:off x="5599378" y="2830984"/>
+                  <a:ext cx="259612" cy="333425"/>
+                </a:xfrm>
+                <a:prstGeom prst="rect">
+                  <a:avLst/>
+                </a:prstGeom>
+                <a:noFill/>
+              </p:spPr>
+              <p:txBody>
+                <a:bodyPr wrap="square" rtlCol="0">
+                  <a:spAutoFit/>
+                </a:bodyPr>
+                <a:lstStyle/>
+                <a:p>
+                  <a:pPr/>
+                  <a14:m>
+                    <m:oMathPara xmlns:m="http://schemas.openxmlformats.org/officeDocument/2006/math">
+                      <m:oMathParaPr>
+                        <m:jc m:val="centerGroup"/>
+                      </m:oMathParaPr>
+                      <m:oMath xmlns:m="http://schemas.openxmlformats.org/officeDocument/2006/math">
+                        <m:f>
+                          <m:fPr>
+                            <m:ctrlPr>
+                              <a:rPr lang="en-US" altLang="zh-CN" sz="800" b="0" i="1" smtClean="0">
+                                <a:solidFill>
+                                  <a:schemeClr val="tx1"/>
+                                </a:solidFill>
+                                <a:latin typeface="Cambria Math" panose="02040503050406030204" pitchFamily="18" charset="0"/>
+                              </a:rPr>
+                            </m:ctrlPr>
+                          </m:fPr>
+                          <m:num>
+                            <m:sSub>
+                              <m:sSubPr>
+                                <m:ctrlPr>
+                                  <a:rPr lang="en-US" altLang="zh-CN" sz="800" b="0" i="1" smtClean="0">
+                                    <a:solidFill>
+                                      <a:schemeClr val="tx1"/>
+                                    </a:solidFill>
+                                    <a:latin typeface="Cambria Math" panose="02040503050406030204" pitchFamily="18" charset="0"/>
+                                  </a:rPr>
+                                </m:ctrlPr>
+                              </m:sSubPr>
+                              <m:e>
+                                <m:r>
+                                  <a:rPr lang="en-US" altLang="zh-CN" sz="800" b="0" i="1" smtClean="0">
+                                    <a:solidFill>
+                                      <a:schemeClr val="tx1"/>
+                                    </a:solidFill>
+                                    <a:latin typeface="Cambria Math" panose="02040503050406030204" pitchFamily="18" charset="0"/>
+                                  </a:rPr>
+                                  <m:t>𝐷</m:t>
+                                </m:r>
+                              </m:e>
+                              <m:sub>
+                                <m:r>
+                                  <a:rPr lang="en-US" altLang="zh-CN" sz="800" b="0" i="1" smtClean="0">
+                                    <a:solidFill>
+                                      <a:schemeClr val="tx1"/>
+                                    </a:solidFill>
+                                    <a:latin typeface="Cambria Math" panose="02040503050406030204" pitchFamily="18" charset="0"/>
+                                  </a:rPr>
+                                  <m:t>𝑚</m:t>
+                                </m:r>
+                              </m:sub>
+                            </m:sSub>
+                          </m:num>
+                          <m:den>
+                            <m:r>
+                              <a:rPr lang="en-US" altLang="zh-CN" sz="800" b="0" i="1" smtClean="0">
+                                <a:solidFill>
+                                  <a:schemeClr val="tx1"/>
+                                </a:solidFill>
+                                <a:latin typeface="Cambria Math" panose="02040503050406030204" pitchFamily="18" charset="0"/>
+                              </a:rPr>
+                              <m:t>2</m:t>
+                            </m:r>
+                          </m:den>
+                        </m:f>
+                      </m:oMath>
+                    </m:oMathPara>
+                  </a14:m>
+                  <a:endParaRPr lang="en-US" altLang="zh-CN" sz="800" b="0" dirty="0">
+                    <a:solidFill>
+                      <a:schemeClr val="accent3">
+                        <a:lumMod val="60000"/>
+                        <a:lumOff val="40000"/>
+                      </a:schemeClr>
+                    </a:solidFill>
+                  </a:endParaRPr>
+                </a:p>
+              </p:txBody>
+            </p:sp>
+          </mc:Choice>
+          <mc:Fallback>
+            <p:sp>
+              <p:nvSpPr>
+                <p:cNvPr id="32" name="文本框 31">
+                  <a:extLst>
+                    <a:ext uri="{FF2B5EF4-FFF2-40B4-BE49-F238E27FC236}">
+                      <a16:creationId xmlns:a16="http://schemas.microsoft.com/office/drawing/2014/main" id="{027B24FF-D72B-A9F7-735F-6849A8EC5167}"/>
+                    </a:ext>
+                  </a:extLst>
+                </p:cNvPr>
+                <p:cNvSpPr txBox="1">
+                  <a:spLocks noRot="1" noChangeAspect="1" noMove="1" noResize="1" noEditPoints="1" noAdjustHandles="1" noChangeArrowheads="1" noChangeShapeType="1" noTextEdit="1"/>
+                </p:cNvSpPr>
+                <p:nvPr/>
+              </p:nvSpPr>
+              <p:spPr>
+                <a:xfrm>
+                  <a:off x="5599378" y="2830984"/>
+                  <a:ext cx="259612" cy="333425"/>
+                </a:xfrm>
+                <a:prstGeom prst="rect">
+                  <a:avLst/>
+                </a:prstGeom>
+                <a:blipFill>
+                  <a:blip r:embed="rId2"/>
+                  <a:stretch>
+                    <a:fillRect/>
+                  </a:stretch>
+                </a:blipFill>
+              </p:spPr>
+              <p:txBody>
+                <a:bodyPr/>
+                <a:lstStyle/>
+                <a:p>
+                  <a:r>
+                    <a:rPr lang="zh-CN" altLang="en-US">
+                      <a:noFill/>
+                    </a:rPr>
+                    <a:t> </a:t>
+                  </a:r>
+                </a:p>
+              </p:txBody>
+            </p:sp>
+          </mc:Fallback>
+        </mc:AlternateContent>
+        <mc:AlternateContent xmlns:mc="http://schemas.openxmlformats.org/markup-compatibility/2006">
+          <mc:Choice xmlns:a14="http://schemas.microsoft.com/office/drawing/2010/main" Requires="a14">
+            <p:sp>
+              <p:nvSpPr>
+                <p:cNvPr id="33" name="文本框 32">
+                  <a:extLst>
+                    <a:ext uri="{FF2B5EF4-FFF2-40B4-BE49-F238E27FC236}">
+                      <a16:creationId xmlns:a16="http://schemas.microsoft.com/office/drawing/2014/main" id="{25765882-E663-80BF-8549-F34E4348A74A}"/>
+                    </a:ext>
+                  </a:extLst>
+                </p:cNvPr>
+                <p:cNvSpPr txBox="1"/>
+                <p:nvPr/>
+              </p:nvSpPr>
+              <p:spPr>
+                <a:xfrm>
+                  <a:off x="4780558" y="3320121"/>
+                  <a:ext cx="259612" cy="215828"/>
+                </a:xfrm>
+                <a:prstGeom prst="rect">
+                  <a:avLst/>
+                </a:prstGeom>
+                <a:noFill/>
+              </p:spPr>
+              <p:txBody>
+                <a:bodyPr wrap="square" rtlCol="0">
+                  <a:spAutoFit/>
+                </a:bodyPr>
+                <a:lstStyle/>
+                <a:p>
+                  <a:pPr/>
+                  <a14:m>
+                    <m:oMathPara xmlns:m="http://schemas.openxmlformats.org/officeDocument/2006/math">
+                      <m:oMathParaPr>
+                        <m:jc m:val="centerGroup"/>
+                      </m:oMathParaPr>
+                      <m:oMath xmlns:m="http://schemas.openxmlformats.org/officeDocument/2006/math">
+                        <m:r>
+                          <a:rPr lang="en-US" altLang="zh-CN" sz="800" b="0" i="1" smtClean="0">
+                            <a:solidFill>
+                              <a:schemeClr val="tx1"/>
+                            </a:solidFill>
+                            <a:latin typeface="Cambria Math" panose="02040503050406030204" pitchFamily="18" charset="0"/>
+                          </a:rPr>
+                          <m:t>𝑅</m:t>
+                        </m:r>
+                      </m:oMath>
+                    </m:oMathPara>
+                  </a14:m>
+                  <a:endParaRPr lang="en-US" altLang="zh-CN" sz="800" b="0" dirty="0">
+                    <a:solidFill>
+                      <a:schemeClr val="tx1"/>
+                    </a:solidFill>
+                  </a:endParaRPr>
+                </a:p>
+              </p:txBody>
+            </p:sp>
+          </mc:Choice>
+          <mc:Fallback>
+            <p:sp>
+              <p:nvSpPr>
+                <p:cNvPr id="33" name="文本框 32">
+                  <a:extLst>
+                    <a:ext uri="{FF2B5EF4-FFF2-40B4-BE49-F238E27FC236}">
+                      <a16:creationId xmlns:a16="http://schemas.microsoft.com/office/drawing/2014/main" id="{25765882-E663-80BF-8549-F34E4348A74A}"/>
+                    </a:ext>
+                  </a:extLst>
+                </p:cNvPr>
+                <p:cNvSpPr txBox="1">
+                  <a:spLocks noRot="1" noChangeAspect="1" noMove="1" noResize="1" noEditPoints="1" noAdjustHandles="1" noChangeArrowheads="1" noChangeShapeType="1" noTextEdit="1"/>
+                </p:cNvSpPr>
+                <p:nvPr/>
+              </p:nvSpPr>
+              <p:spPr>
+                <a:xfrm>
+                  <a:off x="4780558" y="3320121"/>
+                  <a:ext cx="259612" cy="215828"/>
+                </a:xfrm>
+                <a:prstGeom prst="rect">
+                  <a:avLst/>
+                </a:prstGeom>
+                <a:blipFill>
+                  <a:blip r:embed="rId3"/>
+                  <a:stretch>
+                    <a:fillRect/>
+                  </a:stretch>
+                </a:blipFill>
+              </p:spPr>
+              <p:txBody>
+                <a:bodyPr/>
+                <a:lstStyle/>
+                <a:p>
+                  <a:r>
+                    <a:rPr lang="zh-CN" altLang="en-US">
+                      <a:noFill/>
+                    </a:rPr>
+                    <a:t> </a:t>
+                  </a:r>
+                </a:p>
+              </p:txBody>
+            </p:sp>
+          </mc:Fallback>
+        </mc:AlternateContent>
+        <mc:AlternateContent xmlns:mc="http://schemas.openxmlformats.org/markup-compatibility/2006">
+          <mc:Choice xmlns:a14="http://schemas.microsoft.com/office/drawing/2010/main" Requires="a14">
+            <p:sp>
+              <p:nvSpPr>
+                <p:cNvPr id="34" name="文本框 33">
+                  <a:extLst>
+                    <a:ext uri="{FF2B5EF4-FFF2-40B4-BE49-F238E27FC236}">
+                      <a16:creationId xmlns:a16="http://schemas.microsoft.com/office/drawing/2014/main" id="{3A853205-B35A-33DC-07FA-A236082841C0}"/>
+                    </a:ext>
+                  </a:extLst>
+                </p:cNvPr>
+                <p:cNvSpPr txBox="1"/>
+                <p:nvPr/>
+              </p:nvSpPr>
+              <p:spPr>
+                <a:xfrm>
+                  <a:off x="5396998" y="3308581"/>
+                  <a:ext cx="259612" cy="215828"/>
+                </a:xfrm>
+                <a:prstGeom prst="rect">
+                  <a:avLst/>
+                </a:prstGeom>
+                <a:noFill/>
+              </p:spPr>
+              <p:txBody>
+                <a:bodyPr wrap="square" rtlCol="0">
+                  <a:spAutoFit/>
+                </a:bodyPr>
+                <a:lstStyle/>
+                <a:p>
+                  <a:pPr/>
+                  <a14:m>
+                    <m:oMathPara xmlns:m="http://schemas.openxmlformats.org/officeDocument/2006/math">
+                      <m:oMathParaPr>
+                        <m:jc m:val="centerGroup"/>
+                      </m:oMathParaPr>
+                      <m:oMath xmlns:m="http://schemas.openxmlformats.org/officeDocument/2006/math">
+                        <m:r>
+                          <a:rPr lang="en-US" altLang="zh-CN" sz="800" b="0" i="1" smtClean="0">
+                            <a:solidFill>
+                              <a:schemeClr val="tx1"/>
+                            </a:solidFill>
+                            <a:latin typeface="Cambria Math" panose="02040503050406030204" pitchFamily="18" charset="0"/>
+                          </a:rPr>
+                          <m:t>𝑟</m:t>
+                        </m:r>
+                      </m:oMath>
+                    </m:oMathPara>
+                  </a14:m>
+                  <a:endParaRPr lang="en-US" altLang="zh-CN" sz="800" b="0" dirty="0">
+                    <a:solidFill>
+                      <a:schemeClr val="tx1"/>
+                    </a:solidFill>
+                  </a:endParaRPr>
+                </a:p>
+              </p:txBody>
+            </p:sp>
+          </mc:Choice>
+          <mc:Fallback>
+            <p:sp>
+              <p:nvSpPr>
+                <p:cNvPr id="34" name="文本框 33">
+                  <a:extLst>
+                    <a:ext uri="{FF2B5EF4-FFF2-40B4-BE49-F238E27FC236}">
+                      <a16:creationId xmlns:a16="http://schemas.microsoft.com/office/drawing/2014/main" id="{3A853205-B35A-33DC-07FA-A236082841C0}"/>
+                    </a:ext>
+                  </a:extLst>
+                </p:cNvPr>
+                <p:cNvSpPr txBox="1">
+                  <a:spLocks noRot="1" noChangeAspect="1" noMove="1" noResize="1" noEditPoints="1" noAdjustHandles="1" noChangeArrowheads="1" noChangeShapeType="1" noTextEdit="1"/>
+                </p:cNvSpPr>
+                <p:nvPr/>
+              </p:nvSpPr>
+              <p:spPr>
+                <a:xfrm>
+                  <a:off x="5396998" y="3308581"/>
+                  <a:ext cx="259612" cy="215828"/>
+                </a:xfrm>
+                <a:prstGeom prst="rect">
+                  <a:avLst/>
+                </a:prstGeom>
+                <a:blipFill>
+                  <a:blip r:embed="rId4"/>
+                  <a:stretch>
+                    <a:fillRect/>
+                  </a:stretch>
+                </a:blipFill>
+              </p:spPr>
+              <p:txBody>
+                <a:bodyPr/>
+                <a:lstStyle/>
+                <a:p>
+                  <a:r>
+                    <a:rPr lang="zh-CN" altLang="en-US">
+                      <a:noFill/>
+                    </a:rPr>
+                    <a:t> </a:t>
+                  </a:r>
+                </a:p>
+              </p:txBody>
+            </p:sp>
+          </mc:Fallback>
+        </mc:AlternateContent>
+        <mc:AlternateContent xmlns:mc="http://schemas.openxmlformats.org/markup-compatibility/2006">
+          <mc:Choice xmlns:a14="http://schemas.microsoft.com/office/drawing/2010/main" Requires="a14">
+            <p:sp>
+              <p:nvSpPr>
+                <p:cNvPr id="35" name="文本框 34">
+                  <a:extLst>
+                    <a:ext uri="{FF2B5EF4-FFF2-40B4-BE49-F238E27FC236}">
+                      <a16:creationId xmlns:a16="http://schemas.microsoft.com/office/drawing/2014/main" id="{18714B2F-B29F-E3D9-4128-C95D5082C34E}"/>
+                    </a:ext>
+                  </a:extLst>
+                </p:cNvPr>
+                <p:cNvSpPr txBox="1"/>
+                <p:nvPr/>
+              </p:nvSpPr>
+              <p:spPr>
+                <a:xfrm>
+                  <a:off x="4962675" y="2948581"/>
+                  <a:ext cx="259612" cy="215444"/>
+                </a:xfrm>
+                <a:prstGeom prst="rect">
+                  <a:avLst/>
+                </a:prstGeom>
+                <a:noFill/>
+              </p:spPr>
+              <p:txBody>
+                <a:bodyPr wrap="square" rtlCol="0">
+                  <a:spAutoFit/>
+                </a:bodyPr>
+                <a:lstStyle/>
+                <a:p>
+                  <a:pPr/>
+                  <a14:m>
+                    <m:oMathPara xmlns:m="http://schemas.openxmlformats.org/officeDocument/2006/math">
+                      <m:oMathParaPr>
+                        <m:jc m:val="centerGroup"/>
+                      </m:oMathParaPr>
+                      <m:oMath xmlns:m="http://schemas.openxmlformats.org/officeDocument/2006/math">
+                        <m:r>
+                          <m:rPr>
+                            <m:sty m:val="p"/>
+                          </m:rPr>
+                          <a:rPr lang="en-US" altLang="zh-CN" sz="800" b="0" i="1" smtClean="0">
+                            <a:solidFill>
+                              <a:schemeClr val="tx1"/>
+                            </a:solidFill>
+                            <a:latin typeface="Cambria Math" panose="02040503050406030204" pitchFamily="18" charset="0"/>
+                          </a:rPr>
+                          <m:t>α</m:t>
+                        </m:r>
+                      </m:oMath>
+                    </m:oMathPara>
+                  </a14:m>
+                  <a:endParaRPr lang="en-US" altLang="zh-CN" sz="800" b="0" dirty="0">
+                    <a:solidFill>
+                      <a:schemeClr val="tx1"/>
+                    </a:solidFill>
+                  </a:endParaRPr>
+                </a:p>
+              </p:txBody>
+            </p:sp>
+          </mc:Choice>
+          <mc:Fallback>
+            <p:sp>
+              <p:nvSpPr>
+                <p:cNvPr id="35" name="文本框 34">
+                  <a:extLst>
+                    <a:ext uri="{FF2B5EF4-FFF2-40B4-BE49-F238E27FC236}">
+                      <a16:creationId xmlns:a16="http://schemas.microsoft.com/office/drawing/2014/main" id="{18714B2F-B29F-E3D9-4128-C95D5082C34E}"/>
+                    </a:ext>
+                  </a:extLst>
+                </p:cNvPr>
+                <p:cNvSpPr txBox="1">
+                  <a:spLocks noRot="1" noChangeAspect="1" noMove="1" noResize="1" noEditPoints="1" noAdjustHandles="1" noChangeArrowheads="1" noChangeShapeType="1" noTextEdit="1"/>
+                </p:cNvSpPr>
+                <p:nvPr/>
+              </p:nvSpPr>
+              <p:spPr>
+                <a:xfrm>
+                  <a:off x="4962675" y="2948581"/>
+                  <a:ext cx="259612" cy="215444"/>
+                </a:xfrm>
+                <a:prstGeom prst="rect">
+                  <a:avLst/>
+                </a:prstGeom>
+                <a:blipFill>
+                  <a:blip r:embed="rId5"/>
+                  <a:stretch>
+                    <a:fillRect/>
+                  </a:stretch>
+                </a:blipFill>
+              </p:spPr>
+              <p:txBody>
+                <a:bodyPr/>
+                <a:lstStyle/>
+                <a:p>
+                  <a:r>
+                    <a:rPr lang="zh-CN" altLang="en-US">
+                      <a:noFill/>
+                    </a:rPr>
+                    <a:t> </a:t>
+                  </a:r>
+                </a:p>
+              </p:txBody>
+            </p:sp>
+          </mc:Fallback>
+        </mc:AlternateContent>
+      </p:grpSp>
+      <p:grpSp>
+        <p:nvGrpSpPr>
+          <p:cNvPr id="75" name="组合 74">
+            <a:extLst>
+              <a:ext uri="{FF2B5EF4-FFF2-40B4-BE49-F238E27FC236}">
+                <a16:creationId xmlns:a16="http://schemas.microsoft.com/office/drawing/2014/main" id="{C75DF7E2-9FEA-FBC7-3EE1-504417B2B197}"/>
+              </a:ext>
+            </a:extLst>
+          </p:cNvPr>
+          <p:cNvGrpSpPr/>
+          <p:nvPr/>
+        </p:nvGrpSpPr>
+        <p:grpSpPr>
+          <a:xfrm>
+            <a:off x="4748842" y="1549559"/>
+            <a:ext cx="2168425" cy="1800000"/>
+            <a:chOff x="4748842" y="1549559"/>
+            <a:chExt cx="2168425" cy="1800000"/>
+          </a:xfrm>
+        </p:grpSpPr>
+        <p:sp>
+          <p:nvSpPr>
+            <p:cNvPr id="41" name="椭圆 40">
+              <a:extLst>
+                <a:ext uri="{FF2B5EF4-FFF2-40B4-BE49-F238E27FC236}">
+                  <a16:creationId xmlns:a16="http://schemas.microsoft.com/office/drawing/2014/main" id="{877A9511-0750-493A-339A-291F64645C2B}"/>
+                </a:ext>
+              </a:extLst>
+            </p:cNvPr>
+            <p:cNvSpPr/>
+            <p:nvPr/>
+          </p:nvSpPr>
+          <p:spPr>
+            <a:xfrm>
+              <a:off x="4988774" y="1549559"/>
+              <a:ext cx="1800000" cy="1800000"/>
+            </a:xfrm>
+            <a:prstGeom prst="ellipse">
+              <a:avLst/>
+            </a:prstGeom>
+            <a:noFill/>
+            <a:ln w="25400">
+              <a:solidFill>
+                <a:schemeClr val="tx1"/>
+              </a:solidFill>
+            </a:ln>
+          </p:spPr>
+          <p:style>
+            <a:lnRef idx="2">
+              <a:schemeClr val="accent1">
+                <a:shade val="15000"/>
+              </a:schemeClr>
+            </a:lnRef>
+            <a:fillRef idx="1">
+              <a:schemeClr val="accent1"/>
+            </a:fillRef>
+            <a:effectRef idx="0">
+              <a:schemeClr val="accent1"/>
+            </a:effectRef>
+            <a:fontRef idx="minor">
+              <a:schemeClr val="lt1"/>
+            </a:fontRef>
+          </p:style>
+          <p:txBody>
+            <a:bodyPr rtlCol="0" anchor="ctr"/>
+            <a:lstStyle/>
+            <a:p>
+              <a:pPr algn="ctr"/>
+              <a:endParaRPr lang="zh-CN" altLang="en-US"/>
+            </a:p>
+          </p:txBody>
+        </p:sp>
+        <p:sp>
+          <p:nvSpPr>
+            <p:cNvPr id="42" name="椭圆 41">
+              <a:extLst>
+                <a:ext uri="{FF2B5EF4-FFF2-40B4-BE49-F238E27FC236}">
+                  <a16:creationId xmlns:a16="http://schemas.microsoft.com/office/drawing/2014/main" id="{2F0381E8-3C8C-B024-95C7-AA725C44F5E1}"/>
+                </a:ext>
+              </a:extLst>
+            </p:cNvPr>
+            <p:cNvSpPr/>
+            <p:nvPr/>
+          </p:nvSpPr>
+          <p:spPr>
+            <a:xfrm>
+              <a:off x="5003442" y="2089559"/>
+              <a:ext cx="720000" cy="720000"/>
+            </a:xfrm>
+            <a:prstGeom prst="ellipse">
+              <a:avLst/>
+            </a:prstGeom>
+            <a:noFill/>
+            <a:ln w="25400">
+              <a:solidFill>
+                <a:schemeClr val="tx1"/>
+              </a:solidFill>
+            </a:ln>
+          </p:spPr>
+          <p:style>
+            <a:lnRef idx="2">
+              <a:schemeClr val="accent1">
+                <a:shade val="15000"/>
+              </a:schemeClr>
+            </a:lnRef>
+            <a:fillRef idx="1">
+              <a:schemeClr val="accent1"/>
+            </a:fillRef>
+            <a:effectRef idx="0">
+              <a:schemeClr val="accent1"/>
+            </a:effectRef>
+            <a:fontRef idx="minor">
+              <a:schemeClr val="lt1"/>
+            </a:fontRef>
+          </p:style>
+          <p:txBody>
+            <a:bodyPr rtlCol="0" anchor="ctr"/>
+            <a:lstStyle/>
+            <a:p>
+              <a:pPr algn="ctr"/>
+              <a:endParaRPr lang="zh-CN" altLang="en-US"/>
+            </a:p>
+          </p:txBody>
+        </p:sp>
+        <p:cxnSp>
+          <p:nvCxnSpPr>
+            <p:cNvPr id="43" name="直接连接符 42">
+              <a:extLst>
+                <a:ext uri="{FF2B5EF4-FFF2-40B4-BE49-F238E27FC236}">
+                  <a16:creationId xmlns:a16="http://schemas.microsoft.com/office/drawing/2014/main" id="{8276370F-1F01-E143-AAA0-3D56009412D7}"/>
+                </a:ext>
+              </a:extLst>
+            </p:cNvPr>
+            <p:cNvCxnSpPr>
+              <a:cxnSpLocks/>
+            </p:cNvCxnSpPr>
+            <p:nvPr/>
+          </p:nvCxnSpPr>
+          <p:spPr>
+            <a:xfrm flipH="1">
+              <a:off x="4748842" y="2449559"/>
+              <a:ext cx="2168425" cy="0"/>
+            </a:xfrm>
+            <a:prstGeom prst="line">
+              <a:avLst/>
+            </a:prstGeom>
+            <a:ln w="25400">
+              <a:solidFill>
+                <a:schemeClr val="tx1"/>
+              </a:solidFill>
+              <a:prstDash val="lgDashDot"/>
+            </a:ln>
+          </p:spPr>
+          <p:style>
+            <a:lnRef idx="1">
+              <a:schemeClr val="accent1"/>
+            </a:lnRef>
+            <a:fillRef idx="0">
+              <a:schemeClr val="accent1"/>
+            </a:fillRef>
+            <a:effectRef idx="0">
+              <a:schemeClr val="accent1"/>
+            </a:effectRef>
+            <a:fontRef idx="minor">
+              <a:schemeClr val="tx1"/>
+            </a:fontRef>
+          </p:style>
+        </p:cxnSp>
+        <p:cxnSp>
+          <p:nvCxnSpPr>
+            <p:cNvPr id="44" name="直接连接符 43">
+              <a:extLst>
+                <a:ext uri="{FF2B5EF4-FFF2-40B4-BE49-F238E27FC236}">
+                  <a16:creationId xmlns:a16="http://schemas.microsoft.com/office/drawing/2014/main" id="{DDA4842E-9146-B335-259C-8A8239E954CB}"/>
+                </a:ext>
+              </a:extLst>
+            </p:cNvPr>
+            <p:cNvCxnSpPr>
+              <a:cxnSpLocks/>
+            </p:cNvCxnSpPr>
+            <p:nvPr/>
+          </p:nvCxnSpPr>
+          <p:spPr>
+            <a:xfrm flipH="1">
+              <a:off x="5003442" y="1876742"/>
+              <a:ext cx="1752958" cy="1144230"/>
+            </a:xfrm>
+            <a:prstGeom prst="line">
+              <a:avLst/>
+            </a:prstGeom>
+            <a:ln w="25400">
+              <a:solidFill>
+                <a:schemeClr val="tx1"/>
+              </a:solidFill>
+              <a:prstDash val="lgDashDot"/>
+            </a:ln>
+          </p:spPr>
+          <p:style>
+            <a:lnRef idx="1">
+              <a:schemeClr val="accent1"/>
+            </a:lnRef>
+            <a:fillRef idx="0">
+              <a:schemeClr val="accent1"/>
+            </a:fillRef>
+            <a:effectRef idx="0">
+              <a:schemeClr val="accent1"/>
+            </a:effectRef>
+            <a:fontRef idx="minor">
+              <a:schemeClr val="tx1"/>
+            </a:fontRef>
+          </p:style>
+        </p:cxnSp>
+        <p:cxnSp>
+          <p:nvCxnSpPr>
+            <p:cNvPr id="45" name="直接箭头连接符 44">
+              <a:extLst>
+                <a:ext uri="{FF2B5EF4-FFF2-40B4-BE49-F238E27FC236}">
+                  <a16:creationId xmlns:a16="http://schemas.microsoft.com/office/drawing/2014/main" id="{989B1140-3DFE-7A2A-0481-0A884C57DC68}"/>
+                </a:ext>
+              </a:extLst>
+            </p:cNvPr>
+            <p:cNvCxnSpPr>
+              <a:cxnSpLocks/>
+            </p:cNvCxnSpPr>
+            <p:nvPr/>
+          </p:nvCxnSpPr>
+          <p:spPr>
+            <a:xfrm flipH="1" flipV="1">
+              <a:off x="5361096" y="2462974"/>
+              <a:ext cx="108954" cy="242067"/>
+            </a:xfrm>
+            <a:prstGeom prst="straightConnector1">
+              <a:avLst/>
+            </a:prstGeom>
+            <a:ln w="25400">
+              <a:solidFill>
+                <a:schemeClr val="tx1"/>
+              </a:solidFill>
+              <a:headEnd type="triangle"/>
+              <a:tailEnd type="triangle"/>
+            </a:ln>
+          </p:spPr>
+          <p:style>
+            <a:lnRef idx="1">
+              <a:schemeClr val="accent1"/>
+            </a:lnRef>
+            <a:fillRef idx="0">
+              <a:schemeClr val="accent1"/>
+            </a:fillRef>
+            <a:effectRef idx="0">
+              <a:schemeClr val="accent1"/>
+            </a:effectRef>
+            <a:fontRef idx="minor">
+              <a:schemeClr val="tx1"/>
+            </a:fontRef>
+          </p:style>
+        </p:cxnSp>
+        <p:sp>
+          <p:nvSpPr>
+            <p:cNvPr id="46" name="弧形 45">
+              <a:extLst>
+                <a:ext uri="{FF2B5EF4-FFF2-40B4-BE49-F238E27FC236}">
+                  <a16:creationId xmlns:a16="http://schemas.microsoft.com/office/drawing/2014/main" id="{D12EBF98-E22F-034C-169B-74A6E1309627}"/>
+                </a:ext>
+              </a:extLst>
+            </p:cNvPr>
+            <p:cNvSpPr/>
+            <p:nvPr/>
+          </p:nvSpPr>
+          <p:spPr>
+            <a:xfrm rot="6611840">
+              <a:off x="5583957" y="2020834"/>
+              <a:ext cx="659086" cy="659086"/>
+            </a:xfrm>
+            <a:prstGeom prst="arc">
+              <a:avLst>
+                <a:gd name="adj1" fmla="val 1603804"/>
+                <a:gd name="adj2" fmla="val 3209826"/>
+              </a:avLst>
+            </a:prstGeom>
+            <a:ln w="25400">
+              <a:solidFill>
+                <a:schemeClr val="tx1"/>
+              </a:solidFill>
+            </a:ln>
+          </p:spPr>
+          <p:style>
+            <a:lnRef idx="1">
+              <a:schemeClr val="accent1"/>
+            </a:lnRef>
+            <a:fillRef idx="0">
+              <a:schemeClr val="accent1"/>
+            </a:fillRef>
+            <a:effectRef idx="0">
+              <a:schemeClr val="accent1"/>
+            </a:effectRef>
+            <a:fontRef idx="minor">
+              <a:schemeClr val="tx1"/>
+            </a:fontRef>
+          </p:style>
+          <p:txBody>
+            <a:bodyPr rtlCol="0" anchor="ctr"/>
+            <a:lstStyle/>
+            <a:p>
+              <a:pPr algn="ctr"/>
+              <a:endParaRPr lang="zh-CN" altLang="en-US"/>
+            </a:p>
+          </p:txBody>
+        </p:sp>
+        <p:cxnSp>
+          <p:nvCxnSpPr>
+            <p:cNvPr id="47" name="直接连接符 46">
+              <a:extLst>
+                <a:ext uri="{FF2B5EF4-FFF2-40B4-BE49-F238E27FC236}">
+                  <a16:creationId xmlns:a16="http://schemas.microsoft.com/office/drawing/2014/main" id="{EB6CDB86-0F77-7005-A693-30283CECD6E7}"/>
+                </a:ext>
+              </a:extLst>
+            </p:cNvPr>
+            <p:cNvCxnSpPr>
+              <a:cxnSpLocks/>
+            </p:cNvCxnSpPr>
+            <p:nvPr/>
+          </p:nvCxnSpPr>
+          <p:spPr>
+            <a:xfrm>
+              <a:off x="5888774" y="2154893"/>
+              <a:ext cx="0" cy="288000"/>
+            </a:xfrm>
+            <a:prstGeom prst="line">
+              <a:avLst/>
+            </a:prstGeom>
+            <a:ln w="25400">
+              <a:solidFill>
+                <a:schemeClr val="tx1"/>
+              </a:solidFill>
+            </a:ln>
+          </p:spPr>
+          <p:style>
+            <a:lnRef idx="1">
+              <a:schemeClr val="accent1"/>
+            </a:lnRef>
+            <a:fillRef idx="0">
+              <a:schemeClr val="accent1"/>
+            </a:fillRef>
+            <a:effectRef idx="0">
+              <a:schemeClr val="accent1"/>
+            </a:effectRef>
+            <a:fontRef idx="minor">
+              <a:schemeClr val="tx1"/>
+            </a:fontRef>
+          </p:style>
+        </p:cxnSp>
+        <p:cxnSp>
+          <p:nvCxnSpPr>
+            <p:cNvPr id="48" name="直接连接符 47">
+              <a:extLst>
+                <a:ext uri="{FF2B5EF4-FFF2-40B4-BE49-F238E27FC236}">
+                  <a16:creationId xmlns:a16="http://schemas.microsoft.com/office/drawing/2014/main" id="{EAE53894-6878-3404-E62B-1C5EBDB5337A}"/>
+                </a:ext>
+              </a:extLst>
+            </p:cNvPr>
+            <p:cNvCxnSpPr>
+              <a:cxnSpLocks/>
+            </p:cNvCxnSpPr>
+            <p:nvPr/>
+          </p:nvCxnSpPr>
+          <p:spPr>
+            <a:xfrm>
+              <a:off x="4986219" y="2159992"/>
+              <a:ext cx="0" cy="289567"/>
+            </a:xfrm>
+            <a:prstGeom prst="line">
+              <a:avLst/>
+            </a:prstGeom>
+            <a:ln w="25400">
+              <a:solidFill>
+                <a:schemeClr val="tx1"/>
+              </a:solidFill>
+            </a:ln>
+          </p:spPr>
+          <p:style>
+            <a:lnRef idx="1">
+              <a:schemeClr val="accent1"/>
+            </a:lnRef>
+            <a:fillRef idx="0">
+              <a:schemeClr val="accent1"/>
+            </a:fillRef>
+            <a:effectRef idx="0">
+              <a:schemeClr val="accent1"/>
+            </a:effectRef>
+            <a:fontRef idx="minor">
+              <a:schemeClr val="tx1"/>
+            </a:fontRef>
+          </p:style>
+        </p:cxnSp>
+        <p:cxnSp>
+          <p:nvCxnSpPr>
+            <p:cNvPr id="49" name="直接连接符 48">
+              <a:extLst>
+                <a:ext uri="{FF2B5EF4-FFF2-40B4-BE49-F238E27FC236}">
+                  <a16:creationId xmlns:a16="http://schemas.microsoft.com/office/drawing/2014/main" id="{AB108DF2-D86C-0B52-3F29-4DE060BF33FF}"/>
+                </a:ext>
+              </a:extLst>
+            </p:cNvPr>
+            <p:cNvCxnSpPr>
+              <a:cxnSpLocks/>
+            </p:cNvCxnSpPr>
+            <p:nvPr/>
+          </p:nvCxnSpPr>
+          <p:spPr>
+            <a:xfrm>
+              <a:off x="5402102" y="2319867"/>
+              <a:ext cx="0" cy="123026"/>
+            </a:xfrm>
+            <a:prstGeom prst="line">
+              <a:avLst/>
+            </a:prstGeom>
+            <a:ln w="25400">
+              <a:solidFill>
+                <a:schemeClr val="tx1"/>
+              </a:solidFill>
+            </a:ln>
+          </p:spPr>
+          <p:style>
+            <a:lnRef idx="1">
+              <a:schemeClr val="accent1"/>
+            </a:lnRef>
+            <a:fillRef idx="0">
+              <a:schemeClr val="accent1"/>
+            </a:fillRef>
+            <a:effectRef idx="0">
+              <a:schemeClr val="accent1"/>
+            </a:effectRef>
+            <a:fontRef idx="minor">
+              <a:schemeClr val="tx1"/>
+            </a:fontRef>
+          </p:style>
+        </p:cxnSp>
+        <p:cxnSp>
+          <p:nvCxnSpPr>
+            <p:cNvPr id="50" name="直接箭头连接符 49">
+              <a:extLst>
+                <a:ext uri="{FF2B5EF4-FFF2-40B4-BE49-F238E27FC236}">
+                  <a16:creationId xmlns:a16="http://schemas.microsoft.com/office/drawing/2014/main" id="{1C737440-32FA-2F63-8CAD-33ED472D4E3E}"/>
+                </a:ext>
+              </a:extLst>
+            </p:cNvPr>
+            <p:cNvCxnSpPr>
+              <a:cxnSpLocks/>
+            </p:cNvCxnSpPr>
+            <p:nvPr/>
+          </p:nvCxnSpPr>
+          <p:spPr>
+            <a:xfrm flipH="1">
+              <a:off x="5003442" y="2241743"/>
+              <a:ext cx="887555" cy="0"/>
+            </a:xfrm>
+            <a:prstGeom prst="straightConnector1">
+              <a:avLst/>
+            </a:prstGeom>
+            <a:ln w="25400">
+              <a:solidFill>
+                <a:schemeClr val="tx1"/>
+              </a:solidFill>
+              <a:headEnd type="triangle"/>
+              <a:tailEnd type="triangle"/>
+            </a:ln>
+          </p:spPr>
+          <p:style>
+            <a:lnRef idx="1">
+              <a:schemeClr val="accent1"/>
+            </a:lnRef>
+            <a:fillRef idx="0">
+              <a:schemeClr val="accent1"/>
+            </a:fillRef>
+            <a:effectRef idx="0">
+              <a:schemeClr val="accent1"/>
+            </a:effectRef>
+            <a:fontRef idx="minor">
+              <a:schemeClr val="tx1"/>
+            </a:fontRef>
+          </p:style>
+        </p:cxnSp>
+        <p:cxnSp>
+          <p:nvCxnSpPr>
+            <p:cNvPr id="51" name="直接箭头连接符 50">
+              <a:extLst>
+                <a:ext uri="{FF2B5EF4-FFF2-40B4-BE49-F238E27FC236}">
+                  <a16:creationId xmlns:a16="http://schemas.microsoft.com/office/drawing/2014/main" id="{653F8837-B84E-92F5-7E90-D83794112B01}"/>
+                </a:ext>
+              </a:extLst>
+            </p:cNvPr>
+            <p:cNvCxnSpPr>
+              <a:cxnSpLocks/>
+            </p:cNvCxnSpPr>
+            <p:nvPr/>
+          </p:nvCxnSpPr>
+          <p:spPr>
+            <a:xfrm flipH="1">
+              <a:off x="5003442" y="2380610"/>
+              <a:ext cx="398660" cy="0"/>
+            </a:xfrm>
+            <a:prstGeom prst="straightConnector1">
+              <a:avLst/>
+            </a:prstGeom>
+            <a:ln w="25400">
+              <a:solidFill>
+                <a:schemeClr val="tx1"/>
+              </a:solidFill>
+              <a:headEnd type="triangle"/>
+              <a:tailEnd type="triangle"/>
+            </a:ln>
+          </p:spPr>
+          <p:style>
+            <a:lnRef idx="1">
+              <a:schemeClr val="accent1"/>
+            </a:lnRef>
+            <a:fillRef idx="0">
+              <a:schemeClr val="accent1"/>
+            </a:fillRef>
+            <a:effectRef idx="0">
+              <a:schemeClr val="accent1"/>
+            </a:effectRef>
+            <a:fontRef idx="minor">
+              <a:schemeClr val="tx1"/>
+            </a:fontRef>
+          </p:style>
+        </p:cxnSp>
+        <mc:AlternateContent xmlns:mc="http://schemas.openxmlformats.org/markup-compatibility/2006">
+          <mc:Choice xmlns:a14="http://schemas.microsoft.com/office/drawing/2010/main" Requires="a14">
+            <p:sp>
+              <p:nvSpPr>
+                <p:cNvPr id="52" name="文本框 51">
+                  <a:extLst>
+                    <a:ext uri="{FF2B5EF4-FFF2-40B4-BE49-F238E27FC236}">
+                      <a16:creationId xmlns:a16="http://schemas.microsoft.com/office/drawing/2014/main" id="{7DDF4262-13D2-7B7D-47F6-25581407F037}"/>
+                    </a:ext>
+                  </a:extLst>
+                </p:cNvPr>
+                <p:cNvSpPr txBox="1"/>
+                <p:nvPr/>
+              </p:nvSpPr>
+              <p:spPr>
+                <a:xfrm>
+                  <a:off x="5106940" y="2442893"/>
+                  <a:ext cx="259612" cy="333425"/>
+                </a:xfrm>
+                <a:prstGeom prst="rect">
+                  <a:avLst/>
+                </a:prstGeom>
+                <a:noFill/>
+              </p:spPr>
+              <p:txBody>
+                <a:bodyPr wrap="square" rtlCol="0">
+                  <a:spAutoFit/>
+                </a:bodyPr>
+                <a:lstStyle/>
+                <a:p>
+                  <a:pPr/>
+                  <a14:m>
+                    <m:oMathPara xmlns:m="http://schemas.openxmlformats.org/officeDocument/2006/math">
+                      <m:oMathParaPr>
+                        <m:jc m:val="centerGroup"/>
+                      </m:oMathParaPr>
+                      <m:oMath xmlns:m="http://schemas.openxmlformats.org/officeDocument/2006/math">
+                        <m:f>
+                          <m:fPr>
+                            <m:ctrlPr>
+                              <a:rPr lang="en-US" altLang="zh-CN" sz="800" b="0" i="1" smtClean="0">
+                                <a:solidFill>
+                                  <a:schemeClr val="tx1"/>
+                                </a:solidFill>
+                                <a:latin typeface="Cambria Math" panose="02040503050406030204" pitchFamily="18" charset="0"/>
+                              </a:rPr>
+                            </m:ctrlPr>
+                          </m:fPr>
+                          <m:num>
+                            <m:sSub>
+                              <m:sSubPr>
+                                <m:ctrlPr>
+                                  <a:rPr lang="en-US" altLang="zh-CN" sz="800" b="0" i="1" smtClean="0">
+                                    <a:solidFill>
+                                      <a:schemeClr val="tx1"/>
+                                    </a:solidFill>
+                                    <a:latin typeface="Cambria Math" panose="02040503050406030204" pitchFamily="18" charset="0"/>
+                                  </a:rPr>
+                                </m:ctrlPr>
+                              </m:sSubPr>
+                              <m:e>
+                                <m:r>
+                                  <a:rPr lang="en-US" altLang="zh-CN" sz="800" b="0" i="1" smtClean="0">
+                                    <a:solidFill>
+                                      <a:schemeClr val="tx1"/>
+                                    </a:solidFill>
+                                    <a:latin typeface="Cambria Math" panose="02040503050406030204" pitchFamily="18" charset="0"/>
+                                  </a:rPr>
+                                  <m:t>𝐷</m:t>
+                                </m:r>
+                              </m:e>
+                              <m:sub>
+                                <m:r>
+                                  <a:rPr lang="en-US" altLang="zh-CN" sz="800" b="0" i="1" smtClean="0">
+                                    <a:solidFill>
+                                      <a:schemeClr val="tx1"/>
+                                    </a:solidFill>
+                                    <a:latin typeface="Cambria Math" panose="02040503050406030204" pitchFamily="18" charset="0"/>
+                                  </a:rPr>
+                                  <m:t>𝑚</m:t>
+                                </m:r>
+                              </m:sub>
+                            </m:sSub>
+                          </m:num>
+                          <m:den>
+                            <m:r>
+                              <a:rPr lang="en-US" altLang="zh-CN" sz="800" b="0" i="1" smtClean="0">
+                                <a:solidFill>
+                                  <a:schemeClr val="tx1"/>
+                                </a:solidFill>
+                                <a:latin typeface="Cambria Math" panose="02040503050406030204" pitchFamily="18" charset="0"/>
+                              </a:rPr>
+                              <m:t>2</m:t>
+                            </m:r>
+                          </m:den>
+                        </m:f>
+                      </m:oMath>
+                    </m:oMathPara>
+                  </a14:m>
+                  <a:endParaRPr lang="en-US" altLang="zh-CN" sz="800" b="0" dirty="0">
+                    <a:solidFill>
+                      <a:schemeClr val="accent3">
+                        <a:lumMod val="60000"/>
+                        <a:lumOff val="40000"/>
+                      </a:schemeClr>
+                    </a:solidFill>
+                  </a:endParaRPr>
+                </a:p>
+              </p:txBody>
+            </p:sp>
+          </mc:Choice>
+          <mc:Fallback>
+            <p:sp>
+              <p:nvSpPr>
+                <p:cNvPr id="52" name="文本框 51">
+                  <a:extLst>
+                    <a:ext uri="{FF2B5EF4-FFF2-40B4-BE49-F238E27FC236}">
+                      <a16:creationId xmlns:a16="http://schemas.microsoft.com/office/drawing/2014/main" id="{7DDF4262-13D2-7B7D-47F6-25581407F037}"/>
+                    </a:ext>
+                  </a:extLst>
+                </p:cNvPr>
+                <p:cNvSpPr txBox="1">
+                  <a:spLocks noRot="1" noChangeAspect="1" noMove="1" noResize="1" noEditPoints="1" noAdjustHandles="1" noChangeArrowheads="1" noChangeShapeType="1" noTextEdit="1"/>
+                </p:cNvSpPr>
+                <p:nvPr/>
+              </p:nvSpPr>
+              <p:spPr>
+                <a:xfrm>
+                  <a:off x="5106940" y="2442893"/>
+                  <a:ext cx="259612" cy="333425"/>
+                </a:xfrm>
+                <a:prstGeom prst="rect">
+                  <a:avLst/>
+                </a:prstGeom>
+                <a:blipFill>
+                  <a:blip r:embed="rId6"/>
+                  <a:stretch>
+                    <a:fillRect/>
+                  </a:stretch>
+                </a:blipFill>
+              </p:spPr>
+              <p:txBody>
+                <a:bodyPr/>
+                <a:lstStyle/>
+                <a:p>
+                  <a:r>
+                    <a:rPr lang="zh-CN" altLang="en-US">
+                      <a:noFill/>
+                    </a:rPr>
+                    <a:t> </a:t>
+                  </a:r>
+                </a:p>
+              </p:txBody>
+            </p:sp>
+          </mc:Fallback>
+        </mc:AlternateContent>
+        <mc:AlternateContent xmlns:mc="http://schemas.openxmlformats.org/markup-compatibility/2006">
+          <mc:Choice xmlns:a14="http://schemas.microsoft.com/office/drawing/2010/main" Requires="a14">
+            <p:sp>
+              <p:nvSpPr>
+                <p:cNvPr id="53" name="文本框 52">
+                  <a:extLst>
+                    <a:ext uri="{FF2B5EF4-FFF2-40B4-BE49-F238E27FC236}">
+                      <a16:creationId xmlns:a16="http://schemas.microsoft.com/office/drawing/2014/main" id="{858AE386-F894-7E64-8CDC-79CF45994056}"/>
+                    </a:ext>
+                  </a:extLst>
+                </p:cNvPr>
+                <p:cNvSpPr txBox="1"/>
+                <p:nvPr/>
+              </p:nvSpPr>
+              <p:spPr>
+                <a:xfrm>
+                  <a:off x="5362050" y="2073860"/>
+                  <a:ext cx="259612" cy="215828"/>
+                </a:xfrm>
+                <a:prstGeom prst="rect">
+                  <a:avLst/>
+                </a:prstGeom>
+                <a:noFill/>
+              </p:spPr>
+              <p:txBody>
+                <a:bodyPr wrap="square" rtlCol="0">
+                  <a:spAutoFit/>
+                </a:bodyPr>
+                <a:lstStyle/>
+                <a:p>
+                  <a:pPr/>
+                  <a14:m>
+                    <m:oMathPara xmlns:m="http://schemas.openxmlformats.org/officeDocument/2006/math">
+                      <m:oMathParaPr>
+                        <m:jc m:val="centerGroup"/>
+                      </m:oMathParaPr>
+                      <m:oMath xmlns:m="http://schemas.openxmlformats.org/officeDocument/2006/math">
+                        <m:r>
+                          <a:rPr lang="en-US" altLang="zh-CN" sz="800" b="0" i="1" smtClean="0">
+                            <a:solidFill>
+                              <a:schemeClr val="tx1"/>
+                            </a:solidFill>
+                            <a:latin typeface="Cambria Math" panose="02040503050406030204" pitchFamily="18" charset="0"/>
+                          </a:rPr>
+                          <m:t>𝑅</m:t>
+                        </m:r>
+                      </m:oMath>
+                    </m:oMathPara>
+                  </a14:m>
+                  <a:endParaRPr lang="en-US" altLang="zh-CN" sz="800" b="0" dirty="0">
+                    <a:solidFill>
+                      <a:schemeClr val="tx1"/>
+                    </a:solidFill>
+                  </a:endParaRPr>
+                </a:p>
+              </p:txBody>
+            </p:sp>
+          </mc:Choice>
+          <mc:Fallback>
+            <p:sp>
+              <p:nvSpPr>
+                <p:cNvPr id="53" name="文本框 52">
+                  <a:extLst>
+                    <a:ext uri="{FF2B5EF4-FFF2-40B4-BE49-F238E27FC236}">
+                      <a16:creationId xmlns:a16="http://schemas.microsoft.com/office/drawing/2014/main" id="{858AE386-F894-7E64-8CDC-79CF45994056}"/>
+                    </a:ext>
+                  </a:extLst>
+                </p:cNvPr>
+                <p:cNvSpPr txBox="1">
+                  <a:spLocks noRot="1" noChangeAspect="1" noMove="1" noResize="1" noEditPoints="1" noAdjustHandles="1" noChangeArrowheads="1" noChangeShapeType="1" noTextEdit="1"/>
+                </p:cNvSpPr>
+                <p:nvPr/>
+              </p:nvSpPr>
+              <p:spPr>
+                <a:xfrm>
+                  <a:off x="5362050" y="2073860"/>
+                  <a:ext cx="259612" cy="215828"/>
+                </a:xfrm>
+                <a:prstGeom prst="rect">
+                  <a:avLst/>
+                </a:prstGeom>
+                <a:blipFill>
+                  <a:blip r:embed="rId7"/>
+                  <a:stretch>
+                    <a:fillRect/>
+                  </a:stretch>
+                </a:blipFill>
+              </p:spPr>
+              <p:txBody>
+                <a:bodyPr/>
+                <a:lstStyle/>
+                <a:p>
+                  <a:r>
+                    <a:rPr lang="zh-CN" altLang="en-US">
+                      <a:noFill/>
+                    </a:rPr>
+                    <a:t> </a:t>
+                  </a:r>
+                </a:p>
+              </p:txBody>
+            </p:sp>
+          </mc:Fallback>
+        </mc:AlternateContent>
+        <mc:AlternateContent xmlns:mc="http://schemas.openxmlformats.org/markup-compatibility/2006">
+          <mc:Choice xmlns:a14="http://schemas.microsoft.com/office/drawing/2010/main" Requires="a14">
+            <p:sp>
+              <p:nvSpPr>
+                <p:cNvPr id="54" name="文本框 53">
+                  <a:extLst>
+                    <a:ext uri="{FF2B5EF4-FFF2-40B4-BE49-F238E27FC236}">
+                      <a16:creationId xmlns:a16="http://schemas.microsoft.com/office/drawing/2014/main" id="{C059D8C4-ABA2-530C-B4F0-CADDB3ACB98A}"/>
+                    </a:ext>
+                  </a:extLst>
+                </p:cNvPr>
+                <p:cNvSpPr txBox="1"/>
+                <p:nvPr/>
+              </p:nvSpPr>
+              <p:spPr>
+                <a:xfrm>
+                  <a:off x="5078293" y="2211953"/>
+                  <a:ext cx="259612" cy="215828"/>
+                </a:xfrm>
+                <a:prstGeom prst="rect">
+                  <a:avLst/>
+                </a:prstGeom>
+                <a:noFill/>
+              </p:spPr>
+              <p:txBody>
+                <a:bodyPr wrap="square" rtlCol="0">
+                  <a:spAutoFit/>
+                </a:bodyPr>
+                <a:lstStyle/>
+                <a:p>
+                  <a:pPr/>
+                  <a14:m>
+                    <m:oMathPara xmlns:m="http://schemas.openxmlformats.org/officeDocument/2006/math">
+                      <m:oMathParaPr>
+                        <m:jc m:val="centerGroup"/>
+                      </m:oMathParaPr>
+                      <m:oMath xmlns:m="http://schemas.openxmlformats.org/officeDocument/2006/math">
+                        <m:r>
+                          <a:rPr lang="en-US" altLang="zh-CN" sz="800" b="0" i="1" smtClean="0">
+                            <a:solidFill>
+                              <a:schemeClr val="tx1"/>
+                            </a:solidFill>
+                            <a:latin typeface="Cambria Math" panose="02040503050406030204" pitchFamily="18" charset="0"/>
+                          </a:rPr>
+                          <m:t>𝑟</m:t>
+                        </m:r>
+                      </m:oMath>
+                    </m:oMathPara>
+                  </a14:m>
+                  <a:endParaRPr lang="en-US" altLang="zh-CN" sz="800" b="0" dirty="0">
+                    <a:solidFill>
+                      <a:schemeClr val="tx1"/>
+                    </a:solidFill>
+                  </a:endParaRPr>
+                </a:p>
+              </p:txBody>
+            </p:sp>
+          </mc:Choice>
+          <mc:Fallback>
+            <p:sp>
+              <p:nvSpPr>
+                <p:cNvPr id="54" name="文本框 53">
+                  <a:extLst>
+                    <a:ext uri="{FF2B5EF4-FFF2-40B4-BE49-F238E27FC236}">
+                      <a16:creationId xmlns:a16="http://schemas.microsoft.com/office/drawing/2014/main" id="{C059D8C4-ABA2-530C-B4F0-CADDB3ACB98A}"/>
+                    </a:ext>
+                  </a:extLst>
+                </p:cNvPr>
+                <p:cNvSpPr txBox="1">
+                  <a:spLocks noRot="1" noChangeAspect="1" noMove="1" noResize="1" noEditPoints="1" noAdjustHandles="1" noChangeArrowheads="1" noChangeShapeType="1" noTextEdit="1"/>
+                </p:cNvSpPr>
+                <p:nvPr/>
+              </p:nvSpPr>
+              <p:spPr>
+                <a:xfrm>
+                  <a:off x="5078293" y="2211953"/>
+                  <a:ext cx="259612" cy="215828"/>
+                </a:xfrm>
+                <a:prstGeom prst="rect">
+                  <a:avLst/>
+                </a:prstGeom>
+                <a:blipFill>
+                  <a:blip r:embed="rId4"/>
+                  <a:stretch>
+                    <a:fillRect/>
+                  </a:stretch>
+                </a:blipFill>
+              </p:spPr>
+              <p:txBody>
+                <a:bodyPr/>
+                <a:lstStyle/>
+                <a:p>
+                  <a:r>
+                    <a:rPr lang="zh-CN" altLang="en-US">
+                      <a:noFill/>
+                    </a:rPr>
+                    <a:t> </a:t>
+                  </a:r>
+                </a:p>
+              </p:txBody>
+            </p:sp>
+          </mc:Fallback>
+        </mc:AlternateContent>
+        <mc:AlternateContent xmlns:mc="http://schemas.openxmlformats.org/markup-compatibility/2006">
+          <mc:Choice xmlns:a14="http://schemas.microsoft.com/office/drawing/2010/main" Requires="a14">
+            <p:sp>
+              <p:nvSpPr>
+                <p:cNvPr id="55" name="文本框 54">
+                  <a:extLst>
+                    <a:ext uri="{FF2B5EF4-FFF2-40B4-BE49-F238E27FC236}">
+                      <a16:creationId xmlns:a16="http://schemas.microsoft.com/office/drawing/2014/main" id="{3730FED3-C335-791C-7EC5-2B15077E198E}"/>
+                    </a:ext>
+                  </a:extLst>
+                </p:cNvPr>
+                <p:cNvSpPr txBox="1"/>
+                <p:nvPr/>
+              </p:nvSpPr>
+              <p:spPr>
+                <a:xfrm>
+                  <a:off x="5431250" y="2421641"/>
+                  <a:ext cx="259612" cy="215444"/>
+                </a:xfrm>
+                <a:prstGeom prst="rect">
+                  <a:avLst/>
+                </a:prstGeom>
+                <a:noFill/>
+              </p:spPr>
+              <p:txBody>
+                <a:bodyPr wrap="square" rtlCol="0">
+                  <a:spAutoFit/>
+                </a:bodyPr>
+                <a:lstStyle/>
+                <a:p>
+                  <a:pPr/>
+                  <a14:m>
+                    <m:oMathPara xmlns:m="http://schemas.openxmlformats.org/officeDocument/2006/math">
+                      <m:oMathParaPr>
+                        <m:jc m:val="centerGroup"/>
+                      </m:oMathParaPr>
+                      <m:oMath xmlns:m="http://schemas.openxmlformats.org/officeDocument/2006/math">
+                        <m:r>
+                          <m:rPr>
+                            <m:sty m:val="p"/>
+                          </m:rPr>
+                          <a:rPr lang="en-US" altLang="zh-CN" sz="800" b="0" i="1" smtClean="0">
+                            <a:solidFill>
+                              <a:schemeClr val="tx1"/>
+                            </a:solidFill>
+                            <a:latin typeface="Cambria Math" panose="02040503050406030204" pitchFamily="18" charset="0"/>
+                          </a:rPr>
+                          <m:t>α</m:t>
+                        </m:r>
+                      </m:oMath>
+                    </m:oMathPara>
+                  </a14:m>
+                  <a:endParaRPr lang="en-US" altLang="zh-CN" sz="800" b="0" dirty="0">
+                    <a:solidFill>
+                      <a:schemeClr val="tx1"/>
+                    </a:solidFill>
+                  </a:endParaRPr>
+                </a:p>
+              </p:txBody>
+            </p:sp>
+          </mc:Choice>
+          <mc:Fallback>
+            <p:sp>
+              <p:nvSpPr>
+                <p:cNvPr id="55" name="文本框 54">
+                  <a:extLst>
+                    <a:ext uri="{FF2B5EF4-FFF2-40B4-BE49-F238E27FC236}">
+                      <a16:creationId xmlns:a16="http://schemas.microsoft.com/office/drawing/2014/main" id="{3730FED3-C335-791C-7EC5-2B15077E198E}"/>
+                    </a:ext>
+                  </a:extLst>
+                </p:cNvPr>
+                <p:cNvSpPr txBox="1">
+                  <a:spLocks noRot="1" noChangeAspect="1" noMove="1" noResize="1" noEditPoints="1" noAdjustHandles="1" noChangeArrowheads="1" noChangeShapeType="1" noTextEdit="1"/>
+                </p:cNvSpPr>
+                <p:nvPr/>
+              </p:nvSpPr>
+              <p:spPr>
+                <a:xfrm>
+                  <a:off x="5431250" y="2421641"/>
+                  <a:ext cx="259612" cy="215444"/>
+                </a:xfrm>
+                <a:prstGeom prst="rect">
+                  <a:avLst/>
+                </a:prstGeom>
+                <a:blipFill>
+                  <a:blip r:embed="rId8"/>
+                  <a:stretch>
+                    <a:fillRect/>
+                  </a:stretch>
+                </a:blipFill>
+              </p:spPr>
+              <p:txBody>
+                <a:bodyPr/>
+                <a:lstStyle/>
+                <a:p>
+                  <a:r>
+                    <a:rPr lang="zh-CN" altLang="en-US">
+                      <a:noFill/>
+                    </a:rPr>
+                    <a:t> </a:t>
+                  </a:r>
+                </a:p>
+              </p:txBody>
+            </p:sp>
+          </mc:Fallback>
+        </mc:AlternateContent>
+      </p:grpSp>
+    </p:spTree>
+    <p:extLst>
+      <p:ext uri="{BB962C8B-B14F-4D97-AF65-F5344CB8AC3E}">
+        <p14:creationId xmlns:p14="http://schemas.microsoft.com/office/powerpoint/2010/main" val="2097771787"/>
       </p:ext>
     </p:extLst>
   </p:cSld>
